--- a/00_doc/InputDevicesServer.pptx
+++ b/00_doc/InputDevicesServer.pptx
@@ -246,7 +246,7 @@
           <a:p>
             <a:fld id="{2DD5872B-7991-4A00-95ED-06D285747B9C}" type="datetimeFigureOut">
               <a:rPr lang="en-CA" smtClean="0"/>
-              <a:t>2016-04-08</a:t>
+              <a:t>2016-04-10</a:t>
             </a:fld>
             <a:endParaRPr lang="en-CA"/>
           </a:p>
@@ -416,7 +416,7 @@
           <a:p>
             <a:fld id="{2DD5872B-7991-4A00-95ED-06D285747B9C}" type="datetimeFigureOut">
               <a:rPr lang="en-CA" smtClean="0"/>
-              <a:t>2016-04-08</a:t>
+              <a:t>2016-04-10</a:t>
             </a:fld>
             <a:endParaRPr lang="en-CA"/>
           </a:p>
@@ -596,7 +596,7 @@
           <a:p>
             <a:fld id="{2DD5872B-7991-4A00-95ED-06D285747B9C}" type="datetimeFigureOut">
               <a:rPr lang="en-CA" smtClean="0"/>
-              <a:t>2016-04-08</a:t>
+              <a:t>2016-04-10</a:t>
             </a:fld>
             <a:endParaRPr lang="en-CA"/>
           </a:p>
@@ -766,7 +766,7 @@
           <a:p>
             <a:fld id="{2DD5872B-7991-4A00-95ED-06D285747B9C}" type="datetimeFigureOut">
               <a:rPr lang="en-CA" smtClean="0"/>
-              <a:t>2016-04-08</a:t>
+              <a:t>2016-04-10</a:t>
             </a:fld>
             <a:endParaRPr lang="en-CA"/>
           </a:p>
@@ -1012,7 +1012,7 @@
           <a:p>
             <a:fld id="{2DD5872B-7991-4A00-95ED-06D285747B9C}" type="datetimeFigureOut">
               <a:rPr lang="en-CA" smtClean="0"/>
-              <a:t>2016-04-08</a:t>
+              <a:t>2016-04-10</a:t>
             </a:fld>
             <a:endParaRPr lang="en-CA"/>
           </a:p>
@@ -1244,7 +1244,7 @@
           <a:p>
             <a:fld id="{2DD5872B-7991-4A00-95ED-06D285747B9C}" type="datetimeFigureOut">
               <a:rPr lang="en-CA" smtClean="0"/>
-              <a:t>2016-04-08</a:t>
+              <a:t>2016-04-10</a:t>
             </a:fld>
             <a:endParaRPr lang="en-CA"/>
           </a:p>
@@ -1611,7 +1611,7 @@
           <a:p>
             <a:fld id="{2DD5872B-7991-4A00-95ED-06D285747B9C}" type="datetimeFigureOut">
               <a:rPr lang="en-CA" smtClean="0"/>
-              <a:t>2016-04-08</a:t>
+              <a:t>2016-04-10</a:t>
             </a:fld>
             <a:endParaRPr lang="en-CA"/>
           </a:p>
@@ -1729,7 +1729,7 @@
           <a:p>
             <a:fld id="{2DD5872B-7991-4A00-95ED-06D285747B9C}" type="datetimeFigureOut">
               <a:rPr lang="en-CA" smtClean="0"/>
-              <a:t>2016-04-08</a:t>
+              <a:t>2016-04-10</a:t>
             </a:fld>
             <a:endParaRPr lang="en-CA"/>
           </a:p>
@@ -1824,7 +1824,7 @@
           <a:p>
             <a:fld id="{2DD5872B-7991-4A00-95ED-06D285747B9C}" type="datetimeFigureOut">
               <a:rPr lang="en-CA" smtClean="0"/>
-              <a:t>2016-04-08</a:t>
+              <a:t>2016-04-10</a:t>
             </a:fld>
             <a:endParaRPr lang="en-CA"/>
           </a:p>
@@ -2101,7 +2101,7 @@
           <a:p>
             <a:fld id="{2DD5872B-7991-4A00-95ED-06D285747B9C}" type="datetimeFigureOut">
               <a:rPr lang="en-CA" smtClean="0"/>
-              <a:t>2016-04-08</a:t>
+              <a:t>2016-04-10</a:t>
             </a:fld>
             <a:endParaRPr lang="en-CA"/>
           </a:p>
@@ -2354,7 +2354,7 @@
           <a:p>
             <a:fld id="{2DD5872B-7991-4A00-95ED-06D285747B9C}" type="datetimeFigureOut">
               <a:rPr lang="en-CA" smtClean="0"/>
-              <a:t>2016-04-08</a:t>
+              <a:t>2016-04-10</a:t>
             </a:fld>
             <a:endParaRPr lang="en-CA"/>
           </a:p>
@@ -2567,7 +2567,7 @@
           <a:p>
             <a:fld id="{2DD5872B-7991-4A00-95ED-06D285747B9C}" type="datetimeFigureOut">
               <a:rPr lang="en-CA" smtClean="0"/>
-              <a:t>2016-04-08</a:t>
+              <a:t>2016-04-10</a:t>
             </a:fld>
             <a:endParaRPr lang="en-CA"/>
           </a:p>
@@ -4507,6 +4507,88 @@
           </a:p>
         </p:txBody>
       </p:sp>
+      <p:sp>
+        <p:nvSpPr>
+          <p:cNvPr id="19" name="Rectangle 18"/>
+          <p:cNvSpPr/>
+          <p:nvPr/>
+        </p:nvSpPr>
+        <p:spPr>
+          <a:xfrm>
+            <a:off x="5551711" y="2598152"/>
+            <a:ext cx="1001013" cy="338554"/>
+          </a:xfrm>
+          <a:prstGeom prst="rect">
+            <a:avLst/>
+          </a:prstGeom>
+        </p:spPr>
+        <p:txBody>
+          <a:bodyPr wrap="square">
+            <a:spAutoFit/>
+          </a:bodyPr>
+          <a:lstStyle/>
+          <a:p>
+            <a:r>
+              <a:rPr lang="en-US" sz="1600" b="1" dirty="0">
+                <a:solidFill>
+                  <a:schemeClr val="accent1">
+                    <a:lumMod val="50000"/>
+                  </a:schemeClr>
+                </a:solidFill>
+              </a:rPr>
+              <a:t>generate</a:t>
+            </a:r>
+            <a:endParaRPr lang="en-CA" sz="1600" b="1" dirty="0">
+              <a:solidFill>
+                <a:schemeClr val="accent1">
+                  <a:lumMod val="50000"/>
+                </a:schemeClr>
+              </a:solidFill>
+            </a:endParaRPr>
+          </a:p>
+        </p:txBody>
+      </p:sp>
+      <p:sp>
+        <p:nvSpPr>
+          <p:cNvPr id="20" name="Rectangle 19"/>
+          <p:cNvSpPr/>
+          <p:nvPr/>
+        </p:nvSpPr>
+        <p:spPr>
+          <a:xfrm>
+            <a:off x="3785469" y="2008034"/>
+            <a:ext cx="1001013" cy="338554"/>
+          </a:xfrm>
+          <a:prstGeom prst="rect">
+            <a:avLst/>
+          </a:prstGeom>
+        </p:spPr>
+        <p:txBody>
+          <a:bodyPr wrap="square">
+            <a:spAutoFit/>
+          </a:bodyPr>
+          <a:lstStyle/>
+          <a:p>
+            <a:r>
+              <a:rPr lang="en-US" sz="1600" b="1" dirty="0">
+                <a:solidFill>
+                  <a:schemeClr val="accent1">
+                    <a:lumMod val="50000"/>
+                  </a:schemeClr>
+                </a:solidFill>
+              </a:rPr>
+              <a:t>use</a:t>
+            </a:r>
+            <a:endParaRPr lang="en-CA" sz="1600" b="1" dirty="0">
+              <a:solidFill>
+                <a:schemeClr val="accent1">
+                  <a:lumMod val="50000"/>
+                </a:schemeClr>
+              </a:solidFill>
+            </a:endParaRPr>
+          </a:p>
+        </p:txBody>
+      </p:sp>
     </p:spTree>
     <p:extLst>
       <p:ext uri="{BB962C8B-B14F-4D97-AF65-F5344CB8AC3E}">
@@ -6925,7 +7007,7 @@
         </p:nvSpPr>
         <p:spPr>
           <a:xfrm>
-            <a:off x="2734733" y="3684532"/>
+            <a:off x="2977004" y="3813411"/>
             <a:ext cx="1022108" cy="613468"/>
           </a:xfrm>
           <a:prstGeom prst="rect">
@@ -6969,7 +7051,7 @@
                   <a:schemeClr val="tx1"/>
                 </a:solidFill>
               </a:rPr>
-              <a:t>Index.py</a:t>
+              <a:t>index.py</a:t>
             </a:r>
             <a:endParaRPr lang="en-CA" dirty="0">
               <a:solidFill>
@@ -6984,13 +7066,14 @@
           <p:cNvPr id="86" name="Straight Arrow Connector 85"/>
           <p:cNvCxnSpPr>
             <a:stCxn id="85" idx="3"/>
+            <a:endCxn id="82" idx="1"/>
           </p:cNvCxnSpPr>
           <p:nvPr/>
         </p:nvCxnSpPr>
         <p:spPr>
           <a:xfrm>
-            <a:off x="3756841" y="3991266"/>
-            <a:ext cx="573818" cy="352192"/>
+            <a:off x="3999112" y="4120145"/>
+            <a:ext cx="331547" cy="227337"/>
           </a:xfrm>
           <a:prstGeom prst="straightConnector1">
             <a:avLst/>
@@ -7025,8 +7108,8 @@
         </p:nvSpPr>
         <p:spPr>
           <a:xfrm>
-            <a:off x="1964018" y="2335793"/>
-            <a:ext cx="1022108" cy="922135"/>
+            <a:off x="1813586" y="2729592"/>
+            <a:ext cx="1194800" cy="426605"/>
           </a:xfrm>
           <a:prstGeom prst="rect">
             <a:avLst/>
@@ -7069,17 +7152,7 @@
                   <a:schemeClr val="tx1"/>
                 </a:solidFill>
               </a:rPr>
-              <a:t>xxx.html</a:t>
-            </a:r>
-          </a:p>
-          <a:p>
-            <a:r>
-              <a:rPr lang="en-CA" dirty="0">
-                <a:solidFill>
-                  <a:schemeClr val="tx1"/>
-                </a:solidFill>
-              </a:rPr>
-              <a:t>xxx.js</a:t>
+              <a:t>index.html</a:t>
             </a:r>
           </a:p>
         </p:txBody>
@@ -7092,7 +7165,7 @@
         </p:nvSpPr>
         <p:spPr>
           <a:xfrm>
-            <a:off x="2795075" y="4846765"/>
+            <a:off x="3054576" y="4955594"/>
             <a:ext cx="705157" cy="426604"/>
           </a:xfrm>
           <a:prstGeom prst="rect">
@@ -7154,8 +7227,8 @@
         </p:nvCxnSpPr>
         <p:spPr>
           <a:xfrm flipH="1">
-            <a:off x="3147654" y="4298000"/>
-            <a:ext cx="98133" cy="548765"/>
+            <a:off x="3407155" y="4426879"/>
+            <a:ext cx="80903" cy="528715"/>
           </a:xfrm>
           <a:prstGeom prst="straightConnector1">
             <a:avLst/>
@@ -7346,8 +7419,8 @@
         </p:nvSpPr>
         <p:spPr>
           <a:xfrm>
-            <a:off x="3389687" y="1981335"/>
-            <a:ext cx="1200688" cy="426604"/>
+            <a:off x="2806810" y="1829006"/>
+            <a:ext cx="1200688" cy="578933"/>
           </a:xfrm>
           <a:prstGeom prst="rect">
             <a:avLst/>
@@ -7390,21 +7463,31 @@
               <a:t>AngularJS</a:t>
             </a:r>
           </a:p>
+          <a:p>
+            <a:r>
+              <a:rPr lang="en-CA" dirty="0">
+                <a:solidFill>
+                  <a:schemeClr val="tx1"/>
+                </a:solidFill>
+              </a:rPr>
+              <a:t>bootstrap</a:t>
+            </a:r>
+          </a:p>
         </p:txBody>
       </p:sp>
       <p:cxnSp>
         <p:nvCxnSpPr>
           <p:cNvPr id="101" name="Straight Arrow Connector 100"/>
           <p:cNvCxnSpPr>
-            <a:stCxn id="89" idx="3"/>
+            <a:stCxn id="89" idx="0"/>
             <a:endCxn id="100" idx="2"/>
           </p:cNvCxnSpPr>
           <p:nvPr/>
         </p:nvCxnSpPr>
         <p:spPr>
           <a:xfrm flipV="1">
-            <a:off x="2986126" y="2407939"/>
-            <a:ext cx="1003905" cy="388922"/>
+            <a:off x="2410986" y="2407939"/>
+            <a:ext cx="996168" cy="321653"/>
           </a:xfrm>
           <a:prstGeom prst="straightConnector1">
             <a:avLst/>
@@ -7442,8 +7525,8 @@
         </p:nvCxnSpPr>
         <p:spPr>
           <a:xfrm flipH="1" flipV="1">
-            <a:off x="2475072" y="3257928"/>
-            <a:ext cx="770715" cy="426604"/>
+            <a:off x="2410986" y="3156197"/>
+            <a:ext cx="1077072" cy="657214"/>
           </a:xfrm>
           <a:prstGeom prst="straightConnector1">
             <a:avLst/>
@@ -8247,9 +8330,9 @@
           <p:nvPr/>
         </p:nvSpPr>
         <p:spPr>
-          <a:xfrm rot="9746536">
-            <a:off x="849239" y="4157908"/>
-            <a:ext cx="1864714" cy="270681"/>
+          <a:xfrm rot="10243416">
+            <a:off x="846555" y="4134258"/>
+            <a:ext cx="2097904" cy="270681"/>
           </a:xfrm>
           <a:prstGeom prst="leftRightArrow">
             <a:avLst/>
@@ -8374,6 +8457,243 @@
           </a:p>
         </p:txBody>
       </p:sp>
+      <p:sp>
+        <p:nvSpPr>
+          <p:cNvPr id="53" name="Rectangle 52"/>
+          <p:cNvSpPr/>
+          <p:nvPr/>
+        </p:nvSpPr>
+        <p:spPr>
+          <a:xfrm>
+            <a:off x="3547540" y="2729592"/>
+            <a:ext cx="1022108" cy="396791"/>
+          </a:xfrm>
+          <a:prstGeom prst="rect">
+            <a:avLst/>
+          </a:prstGeom>
+          <a:solidFill>
+            <a:schemeClr val="accent1">
+              <a:lumMod val="40000"/>
+              <a:lumOff val="60000"/>
+            </a:schemeClr>
+          </a:solidFill>
+          <a:ln>
+            <a:solidFill>
+              <a:schemeClr val="tx1"/>
+            </a:solidFill>
+          </a:ln>
+        </p:spPr>
+        <p:style>
+          <a:lnRef idx="2">
+            <a:schemeClr val="accent1">
+              <a:shade val="50000"/>
+            </a:schemeClr>
+          </a:lnRef>
+          <a:fillRef idx="1">
+            <a:schemeClr val="accent1"/>
+          </a:fillRef>
+          <a:effectRef idx="0">
+            <a:schemeClr val="accent1"/>
+          </a:effectRef>
+          <a:fontRef idx="minor">
+            <a:schemeClr val="lt1"/>
+          </a:fontRef>
+        </p:style>
+        <p:txBody>
+          <a:bodyPr rtlCol="0" anchor="t" anchorCtr="0"/>
+          <a:lstStyle/>
+          <a:p>
+            <a:r>
+              <a:rPr lang="en-CA" dirty="0">
+                <a:solidFill>
+                  <a:schemeClr val="tx1"/>
+                </a:solidFill>
+              </a:rPr>
+              <a:t>main.js</a:t>
+            </a:r>
+          </a:p>
+        </p:txBody>
+      </p:sp>
+      <p:cxnSp>
+        <p:nvCxnSpPr>
+          <p:cNvPr id="63" name="Straight Arrow Connector 62"/>
+          <p:cNvCxnSpPr>
+            <a:stCxn id="53" idx="0"/>
+            <a:endCxn id="100" idx="2"/>
+          </p:cNvCxnSpPr>
+          <p:nvPr/>
+        </p:nvCxnSpPr>
+        <p:spPr>
+          <a:xfrm flipH="1" flipV="1">
+            <a:off x="3407154" y="2407939"/>
+            <a:ext cx="651440" cy="321653"/>
+          </a:xfrm>
+          <a:prstGeom prst="straightConnector1">
+            <a:avLst/>
+          </a:prstGeom>
+          <a:ln w="12700">
+            <a:solidFill>
+              <a:schemeClr val="tx1"/>
+            </a:solidFill>
+            <a:tailEnd type="triangle"/>
+          </a:ln>
+        </p:spPr>
+        <p:style>
+          <a:lnRef idx="1">
+            <a:schemeClr val="accent1"/>
+          </a:lnRef>
+          <a:fillRef idx="0">
+            <a:schemeClr val="accent1"/>
+          </a:fillRef>
+          <a:effectRef idx="0">
+            <a:schemeClr val="accent1"/>
+          </a:effectRef>
+          <a:fontRef idx="minor">
+            <a:schemeClr val="tx1"/>
+          </a:fontRef>
+        </p:style>
+      </p:cxnSp>
+      <p:cxnSp>
+        <p:nvCxnSpPr>
+          <p:cNvPr id="65" name="Straight Arrow Connector 64"/>
+          <p:cNvCxnSpPr>
+            <a:stCxn id="53" idx="2"/>
+            <a:endCxn id="85" idx="0"/>
+          </p:cNvCxnSpPr>
+          <p:nvPr/>
+        </p:nvCxnSpPr>
+        <p:spPr>
+          <a:xfrm flipH="1">
+            <a:off x="3488058" y="3126383"/>
+            <a:ext cx="570536" cy="687028"/>
+          </a:xfrm>
+          <a:prstGeom prst="straightConnector1">
+            <a:avLst/>
+          </a:prstGeom>
+          <a:ln w="38100">
+            <a:solidFill>
+              <a:schemeClr val="accent1"/>
+            </a:solidFill>
+            <a:headEnd type="triangle" w="med" len="med"/>
+            <a:tailEnd type="triangle" w="med" len="med"/>
+          </a:ln>
+        </p:spPr>
+        <p:style>
+          <a:lnRef idx="1">
+            <a:schemeClr val="accent1"/>
+          </a:lnRef>
+          <a:fillRef idx="0">
+            <a:schemeClr val="accent1"/>
+          </a:fillRef>
+          <a:effectRef idx="0">
+            <a:schemeClr val="accent1"/>
+          </a:effectRef>
+          <a:fontRef idx="minor">
+            <a:schemeClr val="tx1"/>
+          </a:fontRef>
+        </p:style>
+      </p:cxnSp>
+      <p:sp>
+        <p:nvSpPr>
+          <p:cNvPr id="20" name="Rectangle 19"/>
+          <p:cNvSpPr/>
+          <p:nvPr/>
+        </p:nvSpPr>
+        <p:spPr>
+          <a:xfrm>
+            <a:off x="3799678" y="3211909"/>
+            <a:ext cx="1089786" cy="523220"/>
+          </a:xfrm>
+          <a:prstGeom prst="rect">
+            <a:avLst/>
+          </a:prstGeom>
+        </p:spPr>
+        <p:txBody>
+          <a:bodyPr wrap="none">
+            <a:spAutoFit/>
+          </a:bodyPr>
+          <a:lstStyle/>
+          <a:p>
+            <a:r>
+              <a:rPr lang="en-CA" sz="1400" dirty="0"/>
+              <a:t>&lt;ajax&gt;</a:t>
+            </a:r>
+          </a:p>
+          <a:p>
+            <a:r>
+              <a:rPr lang="en-CA" sz="1400" dirty="0"/>
+              <a:t>http request</a:t>
+            </a:r>
+          </a:p>
+        </p:txBody>
+      </p:sp>
+      <p:sp>
+        <p:nvSpPr>
+          <p:cNvPr id="87" name="Rectangle 86"/>
+          <p:cNvSpPr/>
+          <p:nvPr/>
+        </p:nvSpPr>
+        <p:spPr>
+          <a:xfrm>
+            <a:off x="2775772" y="3207757"/>
+            <a:ext cx="676019" cy="307777"/>
+          </a:xfrm>
+          <a:prstGeom prst="rect">
+            <a:avLst/>
+          </a:prstGeom>
+        </p:spPr>
+        <p:txBody>
+          <a:bodyPr wrap="none">
+            <a:spAutoFit/>
+          </a:bodyPr>
+          <a:lstStyle/>
+          <a:p>
+            <a:r>
+              <a:rPr lang="en-CA" sz="1400" dirty="0"/>
+              <a:t>render</a:t>
+            </a:r>
+          </a:p>
+        </p:txBody>
+      </p:sp>
+      <p:cxnSp>
+        <p:nvCxnSpPr>
+          <p:cNvPr id="88" name="Straight Arrow Connector 87"/>
+          <p:cNvCxnSpPr>
+            <a:stCxn id="89" idx="3"/>
+            <a:endCxn id="53" idx="1"/>
+          </p:cNvCxnSpPr>
+          <p:nvPr/>
+        </p:nvCxnSpPr>
+        <p:spPr>
+          <a:xfrm flipV="1">
+            <a:off x="3008386" y="2927988"/>
+            <a:ext cx="539154" cy="14907"/>
+          </a:xfrm>
+          <a:prstGeom prst="straightConnector1">
+            <a:avLst/>
+          </a:prstGeom>
+          <a:ln w="12700">
+            <a:solidFill>
+              <a:schemeClr val="tx1"/>
+            </a:solidFill>
+            <a:tailEnd type="triangle"/>
+          </a:ln>
+        </p:spPr>
+        <p:style>
+          <a:lnRef idx="1">
+            <a:schemeClr val="accent1"/>
+          </a:lnRef>
+          <a:fillRef idx="0">
+            <a:schemeClr val="accent1"/>
+          </a:fillRef>
+          <a:effectRef idx="0">
+            <a:schemeClr val="accent1"/>
+          </a:effectRef>
+          <a:fontRef idx="minor">
+            <a:schemeClr val="tx1"/>
+          </a:fontRef>
+        </p:style>
+      </p:cxnSp>
     </p:spTree>
     <p:extLst>
       <p:ext uri="{BB962C8B-B14F-4D97-AF65-F5344CB8AC3E}">
